--- a/docs/megarelayprop.pptx
+++ b/docs/megarelayprop.pptx
@@ -197,7 +197,7 @@
           <a:p>
             <a:fld id="{F0C5CAA4-886E-4961-B22C-614FD63C99E4}" type="datetimeFigureOut">
               <a:rPr lang="fr-FR" smtClean="0"/>
-              <a:t>21/05/2020</a:t>
+              <a:t>27/06/2020</a:t>
             </a:fld>
             <a:endParaRPr lang="fr-FR"/>
           </a:p>
@@ -695,7 +695,7 @@
           <a:p>
             <a:fld id="{D61F59F8-3E26-48A4-8EAF-B22E2D729211}" type="datetimeFigureOut">
               <a:rPr lang="fr-FR" smtClean="0"/>
-              <a:t>21/05/2020</a:t>
+              <a:t>27/06/2020</a:t>
             </a:fld>
             <a:endParaRPr lang="fr-FR"/>
           </a:p>
@@ -893,7 +893,7 @@
           <a:p>
             <a:fld id="{D61F59F8-3E26-48A4-8EAF-B22E2D729211}" type="datetimeFigureOut">
               <a:rPr lang="fr-FR" smtClean="0"/>
-              <a:t>21/05/2020</a:t>
+              <a:t>27/06/2020</a:t>
             </a:fld>
             <a:endParaRPr lang="fr-FR"/>
           </a:p>
@@ -1101,7 +1101,7 @@
           <a:p>
             <a:fld id="{D61F59F8-3E26-48A4-8EAF-B22E2D729211}" type="datetimeFigureOut">
               <a:rPr lang="fr-FR" smtClean="0"/>
-              <a:t>21/05/2020</a:t>
+              <a:t>27/06/2020</a:t>
             </a:fld>
             <a:endParaRPr lang="fr-FR"/>
           </a:p>
@@ -1299,7 +1299,7 @@
           <a:p>
             <a:fld id="{D61F59F8-3E26-48A4-8EAF-B22E2D729211}" type="datetimeFigureOut">
               <a:rPr lang="fr-FR" smtClean="0"/>
-              <a:t>21/05/2020</a:t>
+              <a:t>27/06/2020</a:t>
             </a:fld>
             <a:endParaRPr lang="fr-FR"/>
           </a:p>
@@ -1574,7 +1574,7 @@
           <a:p>
             <a:fld id="{D61F59F8-3E26-48A4-8EAF-B22E2D729211}" type="datetimeFigureOut">
               <a:rPr lang="fr-FR" smtClean="0"/>
-              <a:t>21/05/2020</a:t>
+              <a:t>27/06/2020</a:t>
             </a:fld>
             <a:endParaRPr lang="fr-FR"/>
           </a:p>
@@ -1839,7 +1839,7 @@
           <a:p>
             <a:fld id="{D61F59F8-3E26-48A4-8EAF-B22E2D729211}" type="datetimeFigureOut">
               <a:rPr lang="fr-FR" smtClean="0"/>
-              <a:t>21/05/2020</a:t>
+              <a:t>27/06/2020</a:t>
             </a:fld>
             <a:endParaRPr lang="fr-FR"/>
           </a:p>
@@ -2251,7 +2251,7 @@
           <a:p>
             <a:fld id="{D61F59F8-3E26-48A4-8EAF-B22E2D729211}" type="datetimeFigureOut">
               <a:rPr lang="fr-FR" smtClean="0"/>
-              <a:t>21/05/2020</a:t>
+              <a:t>27/06/2020</a:t>
             </a:fld>
             <a:endParaRPr lang="fr-FR"/>
           </a:p>
@@ -2392,7 +2392,7 @@
           <a:p>
             <a:fld id="{D61F59F8-3E26-48A4-8EAF-B22E2D729211}" type="datetimeFigureOut">
               <a:rPr lang="fr-FR" smtClean="0"/>
-              <a:t>21/05/2020</a:t>
+              <a:t>27/06/2020</a:t>
             </a:fld>
             <a:endParaRPr lang="fr-FR"/>
           </a:p>
@@ -2505,7 +2505,7 @@
           <a:p>
             <a:fld id="{D61F59F8-3E26-48A4-8EAF-B22E2D729211}" type="datetimeFigureOut">
               <a:rPr lang="fr-FR" smtClean="0"/>
-              <a:t>21/05/2020</a:t>
+              <a:t>27/06/2020</a:t>
             </a:fld>
             <a:endParaRPr lang="fr-FR"/>
           </a:p>
@@ -2816,7 +2816,7 @@
           <a:p>
             <a:fld id="{D61F59F8-3E26-48A4-8EAF-B22E2D729211}" type="datetimeFigureOut">
               <a:rPr lang="fr-FR" smtClean="0"/>
-              <a:t>21/05/2020</a:t>
+              <a:t>27/06/2020</a:t>
             </a:fld>
             <a:endParaRPr lang="fr-FR"/>
           </a:p>
@@ -3104,7 +3104,7 @@
           <a:p>
             <a:fld id="{D61F59F8-3E26-48A4-8EAF-B22E2D729211}" type="datetimeFigureOut">
               <a:rPr lang="fr-FR" smtClean="0"/>
-              <a:t>21/05/2020</a:t>
+              <a:t>27/06/2020</a:t>
             </a:fld>
             <a:endParaRPr lang="fr-FR"/>
           </a:p>
@@ -3345,7 +3345,7 @@
           <a:p>
             <a:fld id="{D61F59F8-3E26-48A4-8EAF-B22E2D729211}" type="datetimeFigureOut">
               <a:rPr lang="fr-FR" smtClean="0"/>
-              <a:t>21/05/2020</a:t>
+              <a:t>27/06/2020</a:t>
             </a:fld>
             <a:endParaRPr lang="fr-FR"/>
           </a:p>
@@ -4834,12 +4834,277 @@
           </a:p>
         </p:txBody>
       </p:sp>
+      <p:sp>
+        <p:nvSpPr>
+          <p:cNvPr id="15" name="Ellipse 14">
+            <a:extLst>
+              <a:ext uri="{FF2B5EF4-FFF2-40B4-BE49-F238E27FC236}">
+                <a16:creationId xmlns:a16="http://schemas.microsoft.com/office/drawing/2014/main" id="{B6338FBA-A54F-431E-BE16-CFDDDAFBDEAE}"/>
+              </a:ext>
+            </a:extLst>
+          </p:cNvPr>
+          <p:cNvSpPr/>
+          <p:nvPr/>
+        </p:nvSpPr>
+        <p:spPr>
+          <a:xfrm>
+            <a:off x="4165696" y="1111469"/>
+            <a:ext cx="1247759" cy="1147525"/>
+          </a:xfrm>
+          <a:prstGeom prst="ellipse">
+            <a:avLst/>
+          </a:prstGeom>
+        </p:spPr>
+        <p:style>
+          <a:lnRef idx="2">
+            <a:schemeClr val="accent1">
+              <a:shade val="50000"/>
+            </a:schemeClr>
+          </a:lnRef>
+          <a:fillRef idx="1">
+            <a:schemeClr val="accent1"/>
+          </a:fillRef>
+          <a:effectRef idx="0">
+            <a:schemeClr val="accent1"/>
+          </a:effectRef>
+          <a:fontRef idx="minor">
+            <a:schemeClr val="lt1"/>
+          </a:fontRef>
+        </p:style>
+        <p:txBody>
+          <a:bodyPr rtlCol="0" anchor="ctr"/>
+          <a:lstStyle/>
+          <a:p>
+            <a:pPr algn="ctr"/>
+            <a:r>
+              <a:rPr lang="fr-FR" dirty="0"/>
+              <a:t>MQTT</a:t>
+            </a:r>
+          </a:p>
+          <a:p>
+            <a:pPr algn="ctr"/>
+            <a:r>
+              <a:rPr lang="fr-FR" dirty="0"/>
+              <a:t>broker</a:t>
+            </a:r>
+          </a:p>
+        </p:txBody>
+      </p:sp>
+      <p:cxnSp>
+        <p:nvCxnSpPr>
+          <p:cNvPr id="55" name="Connecteur droit avec flèche 54">
+            <a:extLst>
+              <a:ext uri="{FF2B5EF4-FFF2-40B4-BE49-F238E27FC236}">
+                <a16:creationId xmlns:a16="http://schemas.microsoft.com/office/drawing/2014/main" id="{65FF336F-C6DE-44D3-BB16-6823D5AF0977}"/>
+              </a:ext>
+            </a:extLst>
+          </p:cNvPr>
+          <p:cNvCxnSpPr>
+            <a:cxnSpLocks/>
+          </p:cNvCxnSpPr>
+          <p:nvPr/>
+        </p:nvCxnSpPr>
+        <p:spPr>
+          <a:xfrm flipH="1" flipV="1">
+            <a:off x="2955177" y="1504398"/>
+            <a:ext cx="969310" cy="22187"/>
+          </a:xfrm>
+          <a:prstGeom prst="straightConnector1">
+            <a:avLst/>
+          </a:prstGeom>
+          <a:ln w="25400">
+            <a:tailEnd type="triangle" w="lg" len="lg"/>
+          </a:ln>
+        </p:spPr>
+        <p:style>
+          <a:lnRef idx="1">
+            <a:schemeClr val="accent1"/>
+          </a:lnRef>
+          <a:fillRef idx="0">
+            <a:schemeClr val="accent1"/>
+          </a:fillRef>
+          <a:effectRef idx="0">
+            <a:schemeClr val="accent1"/>
+          </a:effectRef>
+          <a:fontRef idx="minor">
+            <a:schemeClr val="tx1"/>
+          </a:fontRef>
+        </p:style>
+      </p:cxnSp>
+      <p:cxnSp>
+        <p:nvCxnSpPr>
+          <p:cNvPr id="57" name="Connecteur droit avec flèche 56">
+            <a:extLst>
+              <a:ext uri="{FF2B5EF4-FFF2-40B4-BE49-F238E27FC236}">
+                <a16:creationId xmlns:a16="http://schemas.microsoft.com/office/drawing/2014/main" id="{4FB962AC-5CC7-4961-8CA2-62F7F86E4770}"/>
+              </a:ext>
+            </a:extLst>
+          </p:cNvPr>
+          <p:cNvCxnSpPr>
+            <a:cxnSpLocks/>
+          </p:cNvCxnSpPr>
+          <p:nvPr/>
+        </p:nvCxnSpPr>
+        <p:spPr>
+          <a:xfrm flipH="1" flipV="1">
+            <a:off x="2963121" y="1776823"/>
+            <a:ext cx="961366" cy="13091"/>
+          </a:xfrm>
+          <a:prstGeom prst="straightConnector1">
+            <a:avLst/>
+          </a:prstGeom>
+          <a:ln w="25400">
+            <a:solidFill>
+              <a:schemeClr val="accent2"/>
+            </a:solidFill>
+            <a:headEnd type="triangle" w="lg" len="lg"/>
+            <a:tailEnd type="none" w="lg" len="lg"/>
+          </a:ln>
+        </p:spPr>
+        <p:style>
+          <a:lnRef idx="1">
+            <a:schemeClr val="accent1"/>
+          </a:lnRef>
+          <a:fillRef idx="0">
+            <a:schemeClr val="accent1"/>
+          </a:fillRef>
+          <a:effectRef idx="0">
+            <a:schemeClr val="accent1"/>
+          </a:effectRef>
+          <a:fontRef idx="minor">
+            <a:schemeClr val="tx1"/>
+          </a:fontRef>
+        </p:style>
+      </p:cxnSp>
+      <p:pic>
+        <p:nvPicPr>
+          <p:cNvPr id="28" name="Image 27" descr="Une image contenant table, assis, circuit, ordinateur&#10;&#10;Description générée automatiquement">
+            <a:extLst>
+              <a:ext uri="{FF2B5EF4-FFF2-40B4-BE49-F238E27FC236}">
+                <a16:creationId xmlns:a16="http://schemas.microsoft.com/office/drawing/2014/main" id="{7A95A874-841D-40C8-B2A8-51A1EC95CB0C}"/>
+              </a:ext>
+            </a:extLst>
+          </p:cNvPr>
+          <p:cNvPicPr>
+            <a:picLocks noChangeAspect="1"/>
+          </p:cNvPicPr>
+          <p:nvPr/>
+        </p:nvPicPr>
+        <p:blipFill>
+          <a:blip r:embed="rId5">
+            <a:extLst>
+              <a:ext uri="{28A0092B-C50C-407E-A947-70E740481C1C}">
+                <a14:useLocalDpi xmlns:a14="http://schemas.microsoft.com/office/drawing/2010/main" val="0"/>
+              </a:ext>
+            </a:extLst>
+          </a:blip>
+          <a:stretch>
+            <a:fillRect/>
+          </a:stretch>
+        </p:blipFill>
+        <p:spPr>
+          <a:xfrm>
+            <a:off x="87247" y="2068150"/>
+            <a:ext cx="1946066" cy="1474116"/>
+          </a:xfrm>
+          <a:prstGeom prst="rect">
+            <a:avLst/>
+          </a:prstGeom>
+        </p:spPr>
+      </p:pic>
+      <p:sp>
+        <p:nvSpPr>
+          <p:cNvPr id="29" name="ZoneTexte 28">
+            <a:extLst>
+              <a:ext uri="{FF2B5EF4-FFF2-40B4-BE49-F238E27FC236}">
+                <a16:creationId xmlns:a16="http://schemas.microsoft.com/office/drawing/2014/main" id="{3A576C46-6602-4231-8AFB-36C4C7637629}"/>
+              </a:ext>
+            </a:extLst>
+          </p:cNvPr>
+          <p:cNvSpPr txBox="1"/>
+          <p:nvPr/>
+        </p:nvSpPr>
+        <p:spPr>
+          <a:xfrm>
+            <a:off x="87247" y="3666890"/>
+            <a:ext cx="2116285" cy="600164"/>
+          </a:xfrm>
+          <a:prstGeom prst="rect">
+            <a:avLst/>
+          </a:prstGeom>
+          <a:noFill/>
+        </p:spPr>
+        <p:txBody>
+          <a:bodyPr wrap="none" rtlCol="0">
+            <a:spAutoFit/>
+          </a:bodyPr>
+          <a:lstStyle/>
+          <a:p>
+            <a:r>
+              <a:rPr lang="fr-FR" sz="1100" dirty="0"/>
+              <a:t>SRD </a:t>
+            </a:r>
+            <a:r>
+              <a:rPr lang="fr-FR" sz="1100" dirty="0" err="1"/>
+              <a:t>relays</a:t>
+            </a:r>
+            <a:r>
+              <a:rPr lang="fr-FR" sz="1100" dirty="0"/>
+              <a:t> (</a:t>
+            </a:r>
+            <a:r>
+              <a:rPr lang="fr-FR" sz="1100" dirty="0" err="1"/>
+              <a:t>smoke</a:t>
+            </a:r>
+            <a:r>
+              <a:rPr lang="fr-FR" sz="1100" dirty="0"/>
+              <a:t> machines)</a:t>
+            </a:r>
+          </a:p>
+          <a:p>
+            <a:r>
+              <a:rPr lang="fr-FR" sz="1100" dirty="0"/>
+              <a:t>SSR </a:t>
+            </a:r>
+            <a:r>
+              <a:rPr lang="fr-FR" sz="1100" dirty="0" err="1"/>
+              <a:t>relays</a:t>
+            </a:r>
+            <a:r>
+              <a:rPr lang="fr-FR" sz="1100" dirty="0"/>
+              <a:t> (power supplies, lights)</a:t>
+            </a:r>
+          </a:p>
+          <a:p>
+            <a:r>
+              <a:rPr lang="fr-FR" sz="1100" dirty="0"/>
+              <a:t>MOSFET </a:t>
+            </a:r>
+            <a:r>
+              <a:rPr lang="fr-FR" sz="1100" dirty="0" err="1"/>
+              <a:t>relays</a:t>
+            </a:r>
+            <a:r>
+              <a:rPr lang="fr-FR" sz="1100" dirty="0"/>
+              <a:t> (</a:t>
+            </a:r>
+            <a:r>
+              <a:rPr lang="fr-FR" sz="1100" dirty="0" err="1"/>
+              <a:t>maglocks</a:t>
+            </a:r>
+            <a:r>
+              <a:rPr lang="fr-FR" sz="1100" dirty="0"/>
+              <a:t>)</a:t>
+            </a:r>
+          </a:p>
+        </p:txBody>
+      </p:sp>
       <p:grpSp>
         <p:nvGrpSpPr>
-          <p:cNvPr id="35" name="Groupe 34">
-            <a:extLst>
-              <a:ext uri="{FF2B5EF4-FFF2-40B4-BE49-F238E27FC236}">
-                <a16:creationId xmlns:a16="http://schemas.microsoft.com/office/drawing/2014/main" id="{714B9D4B-9DAD-42B4-A567-866CAB9194A6}"/>
+          <p:cNvPr id="30" name="Groupe 29">
+            <a:extLst>
+              <a:ext uri="{FF2B5EF4-FFF2-40B4-BE49-F238E27FC236}">
+                <a16:creationId xmlns:a16="http://schemas.microsoft.com/office/drawing/2014/main" id="{4F5A960A-E46D-4335-8BFD-09CD99F4EC17}"/>
               </a:ext>
             </a:extLst>
           </p:cNvPr>
@@ -4848,18 +5113,18 @@
         </p:nvGrpSpPr>
         <p:grpSpPr>
           <a:xfrm>
-            <a:off x="7663003" y="3713733"/>
-            <a:ext cx="2866658" cy="1185714"/>
-            <a:chOff x="8183944" y="4720356"/>
-            <a:chExt cx="2866658" cy="1185714"/>
+            <a:off x="1539199" y="3882635"/>
+            <a:ext cx="4317929" cy="2798805"/>
+            <a:chOff x="943143" y="3099401"/>
+            <a:chExt cx="4317929" cy="2798805"/>
           </a:xfrm>
         </p:grpSpPr>
         <p:pic>
           <p:nvPicPr>
-            <p:cNvPr id="36" name="Image 35" descr="Une image contenant équipement électronique, circuit&#10;&#10;Description générée automatiquement">
+            <p:cNvPr id="31" name="Image 30" descr="Une image contenant table, intérieur, équipement électronique, guichet&#10;&#10;Description générée automatiquement">
               <a:extLst>
                 <a:ext uri="{FF2B5EF4-FFF2-40B4-BE49-F238E27FC236}">
-                  <a16:creationId xmlns:a16="http://schemas.microsoft.com/office/drawing/2014/main" id="{04DF8E75-A80D-4041-B289-602DA63BE18C}"/>
+                  <a16:creationId xmlns:a16="http://schemas.microsoft.com/office/drawing/2014/main" id="{9063AD1B-CCCD-4CF3-9E92-81771A916CE1}"/>
                 </a:ext>
               </a:extLst>
             </p:cNvPr>
@@ -4869,13 +5134,13 @@
             <p:nvPr/>
           </p:nvPicPr>
           <p:blipFill>
-            <a:blip r:embed="rId5">
+            <a:blip r:embed="rId6">
               <a:extLst>
                 <a:ext uri="{28A0092B-C50C-407E-A947-70E740481C1C}">
                   <a14:useLocalDpi xmlns:a14="http://schemas.microsoft.com/office/drawing/2010/main" val="0"/>
                 </a:ext>
                 <a:ext uri="{837473B0-CC2E-450A-ABE3-18F120FF3D39}">
-                  <a1611:picAttrSrcUrl xmlns:a1611="http://schemas.microsoft.com/office/drawing/2016/11/main" r:id="rId6"/>
+                  <a1611:picAttrSrcUrl xmlns:a1611="http://schemas.microsoft.com/office/drawing/2016/11/main" r:id="rId7"/>
                 </a:ext>
               </a:extLst>
             </a:blip>
@@ -4885,8 +5150,8 @@
           </p:blipFill>
           <p:spPr>
             <a:xfrm>
-              <a:off x="9681402" y="5143343"/>
-              <a:ext cx="1369200" cy="762727"/>
+              <a:off x="943143" y="3099401"/>
+              <a:ext cx="4317929" cy="2629445"/>
             </a:xfrm>
             <a:prstGeom prst="rect">
               <a:avLst/>
@@ -4895,10 +5160,10 @@
         </p:pic>
         <p:sp>
           <p:nvSpPr>
-            <p:cNvPr id="37" name="ZoneTexte 36">
+            <p:cNvPr id="32" name="ZoneTexte 31">
               <a:extLst>
                 <a:ext uri="{FF2B5EF4-FFF2-40B4-BE49-F238E27FC236}">
-                  <a16:creationId xmlns:a16="http://schemas.microsoft.com/office/drawing/2014/main" id="{7C2EF989-DAF7-4AA6-8A5D-D4A7C6A7BE68}"/>
+                  <a16:creationId xmlns:a16="http://schemas.microsoft.com/office/drawing/2014/main" id="{95F4F86B-B58D-417F-B059-47052A68DE82}"/>
                 </a:ext>
               </a:extLst>
             </p:cNvPr>
@@ -4907,8 +5172,8 @@
           </p:nvSpPr>
           <p:spPr>
             <a:xfrm>
-              <a:off x="8183944" y="4720356"/>
-              <a:ext cx="2745239" cy="692497"/>
+              <a:off x="2111859" y="5444596"/>
+              <a:ext cx="2699585" cy="369332"/>
             </a:xfrm>
             <a:prstGeom prst="rect">
               <a:avLst/>
@@ -4923,7 +5188,438 @@
             <a:p>
               <a:r>
                 <a:rPr lang="fr-FR" dirty="0"/>
-                <a:t>Raspberry Pi in-room </a:t>
+                <a:t>Game master </a:t>
+              </a:r>
+              <a:r>
+                <a:rPr lang="fr-FR" dirty="0" err="1"/>
+                <a:t>workstation</a:t>
+              </a:r>
+              <a:endParaRPr lang="fr-FR" dirty="0"/>
+            </a:p>
+          </p:txBody>
+        </p:sp>
+        <p:pic>
+          <p:nvPicPr>
+            <p:cNvPr id="44" name="Image 43">
+              <a:extLst>
+                <a:ext uri="{FF2B5EF4-FFF2-40B4-BE49-F238E27FC236}">
+                  <a16:creationId xmlns:a16="http://schemas.microsoft.com/office/drawing/2014/main" id="{74ECEBF4-3953-41D1-8184-E2930FC2D9BD}"/>
+                </a:ext>
+              </a:extLst>
+            </p:cNvPr>
+            <p:cNvPicPr>
+              <a:picLocks noChangeAspect="1"/>
+            </p:cNvPicPr>
+            <p:nvPr/>
+          </p:nvPicPr>
+          <p:blipFill>
+            <a:blip r:embed="rId8">
+              <a:extLst>
+                <a:ext uri="{28A0092B-C50C-407E-A947-70E740481C1C}">
+                  <a14:useLocalDpi xmlns:a14="http://schemas.microsoft.com/office/drawing/2010/main" val="0"/>
+                </a:ext>
+                <a:ext uri="{837473B0-CC2E-450A-ABE3-18F120FF3D39}">
+                  <a1611:picAttrSrcUrl xmlns:a1611="http://schemas.microsoft.com/office/drawing/2016/11/main" r:id="rId9"/>
+                </a:ext>
+              </a:extLst>
+            </a:blip>
+            <a:stretch>
+              <a:fillRect/>
+            </a:stretch>
+          </p:blipFill>
+          <p:spPr>
+            <a:xfrm>
+              <a:off x="1321058" y="5360319"/>
+              <a:ext cx="537887" cy="537887"/>
+            </a:xfrm>
+            <a:prstGeom prst="rect">
+              <a:avLst/>
+            </a:prstGeom>
+          </p:spPr>
+        </p:pic>
+      </p:grpSp>
+      <p:cxnSp>
+        <p:nvCxnSpPr>
+          <p:cNvPr id="45" name="Connecteur droit avec flèche 44">
+            <a:extLst>
+              <a:ext uri="{FF2B5EF4-FFF2-40B4-BE49-F238E27FC236}">
+                <a16:creationId xmlns:a16="http://schemas.microsoft.com/office/drawing/2014/main" id="{1E849C7D-B8C1-402F-809D-78956D9F528C}"/>
+              </a:ext>
+            </a:extLst>
+          </p:cNvPr>
+          <p:cNvCxnSpPr>
+            <a:cxnSpLocks/>
+          </p:cNvCxnSpPr>
+          <p:nvPr/>
+        </p:nvCxnSpPr>
+        <p:spPr>
+          <a:xfrm flipH="1">
+            <a:off x="4057708" y="2337892"/>
+            <a:ext cx="436546" cy="1003397"/>
+          </a:xfrm>
+          <a:prstGeom prst="straightConnector1">
+            <a:avLst/>
+          </a:prstGeom>
+          <a:ln w="25400">
+            <a:headEnd type="triangle" w="lg" len="lg"/>
+            <a:tailEnd type="none" w="lg" len="lg"/>
+          </a:ln>
+        </p:spPr>
+        <p:style>
+          <a:lnRef idx="1">
+            <a:schemeClr val="accent1"/>
+          </a:lnRef>
+          <a:fillRef idx="0">
+            <a:schemeClr val="accent1"/>
+          </a:fillRef>
+          <a:effectRef idx="0">
+            <a:schemeClr val="accent1"/>
+          </a:effectRef>
+          <a:fontRef idx="minor">
+            <a:schemeClr val="tx1"/>
+          </a:fontRef>
+        </p:style>
+      </p:cxnSp>
+      <p:cxnSp>
+        <p:nvCxnSpPr>
+          <p:cNvPr id="46" name="Connecteur droit avec flèche 45">
+            <a:extLst>
+              <a:ext uri="{FF2B5EF4-FFF2-40B4-BE49-F238E27FC236}">
+                <a16:creationId xmlns:a16="http://schemas.microsoft.com/office/drawing/2014/main" id="{5A42F697-BC5D-4396-8D62-B43A54EC9341}"/>
+              </a:ext>
+            </a:extLst>
+          </p:cNvPr>
+          <p:cNvCxnSpPr>
+            <a:cxnSpLocks/>
+          </p:cNvCxnSpPr>
+          <p:nvPr/>
+        </p:nvCxnSpPr>
+        <p:spPr>
+          <a:xfrm flipH="1">
+            <a:off x="4431066" y="2474739"/>
+            <a:ext cx="324827" cy="866550"/>
+          </a:xfrm>
+          <a:prstGeom prst="straightConnector1">
+            <a:avLst/>
+          </a:prstGeom>
+          <a:ln w="25400">
+            <a:solidFill>
+              <a:schemeClr val="accent2"/>
+            </a:solidFill>
+            <a:tailEnd type="triangle" w="lg" len="lg"/>
+          </a:ln>
+        </p:spPr>
+        <p:style>
+          <a:lnRef idx="1">
+            <a:schemeClr val="accent1"/>
+          </a:lnRef>
+          <a:fillRef idx="0">
+            <a:schemeClr val="accent1"/>
+          </a:fillRef>
+          <a:effectRef idx="0">
+            <a:schemeClr val="accent1"/>
+          </a:effectRef>
+          <a:fontRef idx="minor">
+            <a:schemeClr val="tx1"/>
+          </a:fontRef>
+        </p:style>
+      </p:cxnSp>
+      <p:sp>
+        <p:nvSpPr>
+          <p:cNvPr id="48" name="ZoneTexte 47">
+            <a:extLst>
+              <a:ext uri="{FF2B5EF4-FFF2-40B4-BE49-F238E27FC236}">
+                <a16:creationId xmlns:a16="http://schemas.microsoft.com/office/drawing/2014/main" id="{00ACC9DB-D384-46AE-AD69-22AC64A7CEBB}"/>
+              </a:ext>
+            </a:extLst>
+          </p:cNvPr>
+          <p:cNvSpPr txBox="1"/>
+          <p:nvPr/>
+        </p:nvSpPr>
+        <p:spPr>
+          <a:xfrm>
+            <a:off x="2936607" y="3420187"/>
+            <a:ext cx="1938830" cy="707886"/>
+          </a:xfrm>
+          <a:prstGeom prst="rect">
+            <a:avLst/>
+          </a:prstGeom>
+          <a:noFill/>
+        </p:spPr>
+        <p:txBody>
+          <a:bodyPr wrap="square" rtlCol="0">
+            <a:spAutoFit/>
+          </a:bodyPr>
+          <a:lstStyle/>
+          <a:p>
+            <a:r>
+              <a:rPr lang="fr-FR" dirty="0">
+                <a:solidFill>
+                  <a:schemeClr val="accent1"/>
+                </a:solidFill>
+              </a:rPr>
+              <a:t>Prop </a:t>
+            </a:r>
+            <a:r>
+              <a:rPr lang="fr-FR" dirty="0" err="1">
+                <a:solidFill>
+                  <a:schemeClr val="accent1"/>
+                </a:solidFill>
+              </a:rPr>
+              <a:t>inbox</a:t>
+            </a:r>
+            <a:endParaRPr lang="fr-FR" dirty="0">
+              <a:solidFill>
+                <a:schemeClr val="accent1"/>
+              </a:solidFill>
+            </a:endParaRPr>
+          </a:p>
+          <a:p>
+            <a:r>
+              <a:rPr lang="fr-FR" sz="1100" dirty="0" err="1">
+                <a:solidFill>
+                  <a:schemeClr val="accent1"/>
+                </a:solidFill>
+                <a:latin typeface="Courier New" panose="02070309020205020404" pitchFamily="49" charset="0"/>
+                <a:cs typeface="Courier New" panose="02070309020205020404" pitchFamily="49" charset="0"/>
+              </a:rPr>
+              <a:t>door:open</a:t>
+            </a:r>
+            <a:endParaRPr lang="fr-FR" sz="1100" dirty="0">
+              <a:solidFill>
+                <a:schemeClr val="accent1"/>
+              </a:solidFill>
+              <a:latin typeface="Courier New" panose="02070309020205020404" pitchFamily="49" charset="0"/>
+              <a:cs typeface="Courier New" panose="02070309020205020404" pitchFamily="49" charset="0"/>
+            </a:endParaRPr>
+          </a:p>
+          <a:p>
+            <a:r>
+              <a:rPr lang="fr-FR" sz="1100" dirty="0" err="1">
+                <a:solidFill>
+                  <a:schemeClr val="accent1"/>
+                </a:solidFill>
+                <a:latin typeface="Courier New" panose="02070309020205020404" pitchFamily="49" charset="0"/>
+                <a:cs typeface="Courier New" panose="02070309020205020404" pitchFamily="49" charset="0"/>
+              </a:rPr>
+              <a:t>door:close</a:t>
+            </a:r>
+            <a:endParaRPr lang="fr-FR" sz="1100" dirty="0">
+              <a:solidFill>
+                <a:schemeClr val="accent1"/>
+              </a:solidFill>
+              <a:latin typeface="Courier New" panose="02070309020205020404" pitchFamily="49" charset="0"/>
+              <a:cs typeface="Courier New" panose="02070309020205020404" pitchFamily="49" charset="0"/>
+            </a:endParaRPr>
+          </a:p>
+        </p:txBody>
+      </p:sp>
+      <p:sp>
+        <p:nvSpPr>
+          <p:cNvPr id="49" name="ZoneTexte 48">
+            <a:extLst>
+              <a:ext uri="{FF2B5EF4-FFF2-40B4-BE49-F238E27FC236}">
+                <a16:creationId xmlns:a16="http://schemas.microsoft.com/office/drawing/2014/main" id="{2E1CAA6A-8634-44B6-95CB-28142AA23399}"/>
+              </a:ext>
+            </a:extLst>
+          </p:cNvPr>
+          <p:cNvSpPr txBox="1"/>
+          <p:nvPr/>
+        </p:nvSpPr>
+        <p:spPr>
+          <a:xfrm>
+            <a:off x="4138005" y="3423518"/>
+            <a:ext cx="2699577" cy="707886"/>
+          </a:xfrm>
+          <a:prstGeom prst="rect">
+            <a:avLst/>
+          </a:prstGeom>
+          <a:noFill/>
+        </p:spPr>
+        <p:txBody>
+          <a:bodyPr wrap="square" rtlCol="0">
+            <a:spAutoFit/>
+          </a:bodyPr>
+          <a:lstStyle/>
+          <a:p>
+            <a:r>
+              <a:rPr lang="fr-FR" dirty="0">
+                <a:solidFill>
+                  <a:schemeClr val="accent2"/>
+                </a:solidFill>
+              </a:rPr>
+              <a:t>Prop </a:t>
+            </a:r>
+            <a:r>
+              <a:rPr lang="fr-FR" dirty="0" err="1">
+                <a:solidFill>
+                  <a:schemeClr val="accent2"/>
+                </a:solidFill>
+              </a:rPr>
+              <a:t>outbox</a:t>
+            </a:r>
+            <a:endParaRPr lang="fr-FR" dirty="0">
+              <a:solidFill>
+                <a:schemeClr val="accent2"/>
+              </a:solidFill>
+            </a:endParaRPr>
+          </a:p>
+          <a:p>
+            <a:r>
+              <a:rPr lang="fr-FR" sz="1100" dirty="0">
+                <a:solidFill>
+                  <a:schemeClr val="accent2"/>
+                </a:solidFill>
+                <a:latin typeface="Courier New" panose="02070309020205020404" pitchFamily="49" charset="0"/>
+                <a:cs typeface="Courier New" panose="02070309020205020404" pitchFamily="49" charset="0"/>
+              </a:rPr>
+              <a:t>DATA </a:t>
+            </a:r>
+            <a:r>
+              <a:rPr lang="fr-FR" sz="1100" dirty="0" err="1">
+                <a:solidFill>
+                  <a:schemeClr val="accent2"/>
+                </a:solidFill>
+                <a:latin typeface="Courier New" panose="02070309020205020404" pitchFamily="49" charset="0"/>
+                <a:cs typeface="Courier New" panose="02070309020205020404" pitchFamily="49" charset="0"/>
+              </a:rPr>
+              <a:t>maglock</a:t>
+            </a:r>
+            <a:r>
+              <a:rPr lang="fr-FR" sz="1100" dirty="0">
+                <a:solidFill>
+                  <a:schemeClr val="accent2"/>
+                </a:solidFill>
+                <a:latin typeface="Courier New" panose="02070309020205020404" pitchFamily="49" charset="0"/>
+                <a:cs typeface="Courier New" panose="02070309020205020404" pitchFamily="49" charset="0"/>
+              </a:rPr>
+              <a:t>=on challenge=0</a:t>
+            </a:r>
+          </a:p>
+          <a:p>
+            <a:r>
+              <a:rPr lang="fr-FR" sz="1100" dirty="0">
+                <a:solidFill>
+                  <a:schemeClr val="accent2"/>
+                </a:solidFill>
+                <a:latin typeface="Courier New" panose="02070309020205020404" pitchFamily="49" charset="0"/>
+                <a:cs typeface="Courier New" panose="02070309020205020404" pitchFamily="49" charset="0"/>
+              </a:rPr>
+              <a:t>DATA </a:t>
+            </a:r>
+            <a:r>
+              <a:rPr lang="fr-FR" sz="1100" dirty="0" err="1">
+                <a:solidFill>
+                  <a:schemeClr val="accent2"/>
+                </a:solidFill>
+                <a:latin typeface="Courier New" panose="02070309020205020404" pitchFamily="49" charset="0"/>
+                <a:cs typeface="Courier New" panose="02070309020205020404" pitchFamily="49" charset="0"/>
+              </a:rPr>
+              <a:t>maglock</a:t>
+            </a:r>
+            <a:r>
+              <a:rPr lang="fr-FR" sz="1100" dirty="0">
+                <a:solidFill>
+                  <a:schemeClr val="accent2"/>
+                </a:solidFill>
+                <a:latin typeface="Courier New" panose="02070309020205020404" pitchFamily="49" charset="0"/>
+                <a:cs typeface="Courier New" panose="02070309020205020404" pitchFamily="49" charset="0"/>
+              </a:rPr>
+              <a:t>=off challenge:1</a:t>
+            </a:r>
+          </a:p>
+        </p:txBody>
+      </p:sp>
+      <p:grpSp>
+        <p:nvGrpSpPr>
+          <p:cNvPr id="38" name="Groupe 37">
+            <a:extLst>
+              <a:ext uri="{FF2B5EF4-FFF2-40B4-BE49-F238E27FC236}">
+                <a16:creationId xmlns:a16="http://schemas.microsoft.com/office/drawing/2014/main" id="{96F1DF03-33D0-4916-8670-F279479219F6}"/>
+              </a:ext>
+            </a:extLst>
+          </p:cNvPr>
+          <p:cNvGrpSpPr/>
+          <p:nvPr/>
+        </p:nvGrpSpPr>
+        <p:grpSpPr>
+          <a:xfrm>
+            <a:off x="8961858" y="2262268"/>
+            <a:ext cx="2611561" cy="1227460"/>
+            <a:chOff x="9230895" y="4453977"/>
+            <a:chExt cx="2611561" cy="1227460"/>
+          </a:xfrm>
+        </p:grpSpPr>
+        <p:pic>
+          <p:nvPicPr>
+            <p:cNvPr id="41" name="Image 40" descr="Une image contenant équipement électronique, circuit&#10;&#10;Description générée automatiquement">
+              <a:extLst>
+                <a:ext uri="{FF2B5EF4-FFF2-40B4-BE49-F238E27FC236}">
+                  <a16:creationId xmlns:a16="http://schemas.microsoft.com/office/drawing/2014/main" id="{D003FDAC-9E58-4DF1-977F-D4BDED96F998}"/>
+                </a:ext>
+              </a:extLst>
+            </p:cNvPr>
+            <p:cNvPicPr>
+              <a:picLocks noChangeAspect="1"/>
+            </p:cNvPicPr>
+            <p:nvPr/>
+          </p:nvPicPr>
+          <p:blipFill>
+            <a:blip r:embed="rId10">
+              <a:extLst>
+                <a:ext uri="{28A0092B-C50C-407E-A947-70E740481C1C}">
+                  <a14:useLocalDpi xmlns:a14="http://schemas.microsoft.com/office/drawing/2010/main" val="0"/>
+                </a:ext>
+                <a:ext uri="{837473B0-CC2E-450A-ABE3-18F120FF3D39}">
+                  <a1611:picAttrSrcUrl xmlns:a1611="http://schemas.microsoft.com/office/drawing/2016/11/main" r:id="rId11"/>
+                </a:ext>
+              </a:extLst>
+            </a:blip>
+            <a:stretch>
+              <a:fillRect/>
+            </a:stretch>
+          </p:blipFill>
+          <p:spPr>
+            <a:xfrm>
+              <a:off x="10473256" y="4918710"/>
+              <a:ext cx="1369200" cy="762727"/>
+            </a:xfrm>
+            <a:prstGeom prst="rect">
+              <a:avLst/>
+            </a:prstGeom>
+          </p:spPr>
+        </p:pic>
+        <p:sp>
+          <p:nvSpPr>
+            <p:cNvPr id="43" name="ZoneTexte 42">
+              <a:extLst>
+                <a:ext uri="{FF2B5EF4-FFF2-40B4-BE49-F238E27FC236}">
+                  <a16:creationId xmlns:a16="http://schemas.microsoft.com/office/drawing/2014/main" id="{D919B402-B6AC-4045-AA39-5D1E621E9E64}"/>
+                </a:ext>
+              </a:extLst>
+            </p:cNvPr>
+            <p:cNvSpPr txBox="1"/>
+            <p:nvPr/>
+          </p:nvSpPr>
+          <p:spPr>
+            <a:xfrm>
+              <a:off x="9230895" y="4453977"/>
+              <a:ext cx="1942648" cy="707886"/>
+            </a:xfrm>
+            <a:prstGeom prst="rect">
+              <a:avLst/>
+            </a:prstGeom>
+            <a:noFill/>
+          </p:spPr>
+          <p:txBody>
+            <a:bodyPr wrap="none" rtlCol="0">
+              <a:spAutoFit/>
+            </a:bodyPr>
+            <a:lstStyle/>
+            <a:p>
+              <a:r>
+                <a:rPr lang="fr-FR" dirty="0"/>
+                <a:t>Raspberry Pi </a:t>
               </a:r>
               <a:r>
                 <a:rPr lang="fr-FR" dirty="0" err="1"/>
@@ -4933,7 +5629,7 @@
             </a:p>
             <a:p>
               <a:r>
-                <a:rPr lang="fr-FR" sz="1000" dirty="0" err="1">
+                <a:rPr lang="fr-FR" sz="1100" dirty="0" err="1">
                   <a:solidFill>
                     <a:schemeClr val="accent1"/>
                   </a:solidFill>
@@ -4941,7 +5637,7 @@
                 <a:t>PyProps</a:t>
               </a:r>
               <a:r>
-                <a:rPr lang="fr-FR" sz="1000" dirty="0">
+                <a:rPr lang="fr-FR" sz="1100" dirty="0">
                   <a:solidFill>
                     <a:schemeClr val="accent1"/>
                   </a:solidFill>
@@ -4949,14 +5645,14 @@
                 <a:t> </a:t>
               </a:r>
               <a:r>
-                <a:rPr lang="fr-FR" sz="1000" dirty="0" err="1">
+                <a:rPr lang="fr-FR" sz="1100" dirty="0" err="1">
                   <a:solidFill>
                     <a:schemeClr val="accent1"/>
                   </a:solidFill>
                 </a:rPr>
                 <a:t>library</a:t>
               </a:r>
-              <a:endParaRPr lang="fr-FR" sz="1000" dirty="0">
+              <a:endParaRPr lang="fr-FR" sz="1100" dirty="0">
                 <a:solidFill>
                   <a:schemeClr val="accent1"/>
                 </a:solidFill>
@@ -4973,10 +5669,10 @@
       </p:grpSp>
       <p:grpSp>
         <p:nvGrpSpPr>
-          <p:cNvPr id="9" name="Groupe 8">
-            <a:extLst>
-              <a:ext uri="{FF2B5EF4-FFF2-40B4-BE49-F238E27FC236}">
-                <a16:creationId xmlns:a16="http://schemas.microsoft.com/office/drawing/2014/main" id="{4BEB0350-4335-4EE3-9904-DEEAFC02FB83}"/>
+          <p:cNvPr id="47" name="Groupe 46">
+            <a:extLst>
+              <a:ext uri="{FF2B5EF4-FFF2-40B4-BE49-F238E27FC236}">
+                <a16:creationId xmlns:a16="http://schemas.microsoft.com/office/drawing/2014/main" id="{A9867B5C-F1A3-4EF8-9751-1A88A32913E5}"/>
               </a:ext>
             </a:extLst>
           </p:cNvPr>
@@ -4985,18 +5681,18 @@
         </p:nvGrpSpPr>
         <p:grpSpPr>
           <a:xfrm>
-            <a:off x="8703767" y="230479"/>
-            <a:ext cx="3310999" cy="3261498"/>
-            <a:chOff x="8703767" y="230479"/>
-            <a:chExt cx="3310999" cy="3261498"/>
+            <a:off x="7433896" y="125032"/>
+            <a:ext cx="4634156" cy="1932173"/>
+            <a:chOff x="5824171" y="125032"/>
+            <a:chExt cx="4634156" cy="1932173"/>
           </a:xfrm>
         </p:grpSpPr>
         <p:pic>
           <p:nvPicPr>
-            <p:cNvPr id="33" name="Image 32" descr="Une image contenant équipement électronique, circuit, jouet&#10;&#10;Description générée automatiquement">
+            <p:cNvPr id="50" name="Image 49" descr="Une image contenant équipement électronique, circuit, jouet&#10;&#10;Description générée automatiquement">
               <a:extLst>
                 <a:ext uri="{FF2B5EF4-FFF2-40B4-BE49-F238E27FC236}">
-                  <a16:creationId xmlns:a16="http://schemas.microsoft.com/office/drawing/2014/main" id="{D171F14D-3172-44A0-B652-BC810CD76F82}"/>
+                  <a16:creationId xmlns:a16="http://schemas.microsoft.com/office/drawing/2014/main" id="{A052C42B-56EF-4E6E-AFA1-290424EA29FE}"/>
                 </a:ext>
               </a:extLst>
             </p:cNvPr>
@@ -5022,7 +5718,7 @@
           </p:blipFill>
           <p:spPr>
             <a:xfrm>
-              <a:off x="10436828" y="980174"/>
+              <a:off x="8669822" y="125032"/>
               <a:ext cx="1431334" cy="1005342"/>
             </a:xfrm>
             <a:prstGeom prst="rect">
@@ -5032,10 +5728,10 @@
         </p:pic>
         <p:sp>
           <p:nvSpPr>
-            <p:cNvPr id="34" name="ZoneTexte 33">
+            <p:cNvPr id="51" name="ZoneTexte 50">
               <a:extLst>
                 <a:ext uri="{FF2B5EF4-FFF2-40B4-BE49-F238E27FC236}">
-                  <a16:creationId xmlns:a16="http://schemas.microsoft.com/office/drawing/2014/main" id="{9A66B032-9F3D-4383-8ED3-BC1506907935}"/>
+                  <a16:creationId xmlns:a16="http://schemas.microsoft.com/office/drawing/2014/main" id="{4B84DDDD-C844-4993-943F-8AB818BD0505}"/>
                 </a:ext>
               </a:extLst>
             </p:cNvPr>
@@ -5044,8 +5740,8 @@
           </p:nvSpPr>
           <p:spPr>
             <a:xfrm>
-              <a:off x="8703767" y="230479"/>
-              <a:ext cx="2845651" cy="1538883"/>
+              <a:off x="5824171" y="257054"/>
+              <a:ext cx="2845651" cy="1554272"/>
             </a:xfrm>
             <a:prstGeom prst="rect">
               <a:avLst/>
@@ -5060,7 +5756,7 @@
             <a:p>
               <a:r>
                 <a:rPr lang="fr-FR" dirty="0"/>
-                <a:t>Arduino in-room </a:t>
+                <a:t>Arduino </a:t>
               </a:r>
               <a:r>
                 <a:rPr lang="fr-FR" dirty="0" err="1"/>
@@ -5070,7 +5766,7 @@
             </a:p>
             <a:p>
               <a:r>
-                <a:rPr lang="fr-FR" sz="1000" dirty="0" err="1">
+                <a:rPr lang="fr-FR" sz="1100" dirty="0" err="1">
                   <a:solidFill>
                     <a:schemeClr val="accent1"/>
                   </a:solidFill>
@@ -5078,7 +5774,7 @@
                 <a:t>AdruinoProps</a:t>
               </a:r>
               <a:r>
-                <a:rPr lang="fr-FR" sz="1000" dirty="0">
+                <a:rPr lang="fr-FR" sz="1100" dirty="0">
                   <a:solidFill>
                     <a:schemeClr val="accent1"/>
                   </a:solidFill>
@@ -5086,14 +5782,14 @@
                 <a:t> </a:t>
               </a:r>
               <a:r>
-                <a:rPr lang="fr-FR" sz="1000" dirty="0" err="1">
+                <a:rPr lang="fr-FR" sz="1100" dirty="0" err="1">
                   <a:solidFill>
                     <a:schemeClr val="accent1"/>
                   </a:solidFill>
                 </a:rPr>
                 <a:t>library</a:t>
               </a:r>
-              <a:endParaRPr lang="fr-FR" sz="1000" dirty="0">
+              <a:endParaRPr lang="fr-FR" sz="1100" dirty="0">
                 <a:solidFill>
                   <a:schemeClr val="accent1"/>
                 </a:solidFill>
@@ -5171,10 +5867,10 @@
         </p:sp>
         <p:pic>
           <p:nvPicPr>
-            <p:cNvPr id="5" name="Image 4" descr="Une image contenant équipement électronique, circuit&#10;&#10;Description générée automatiquement">
+            <p:cNvPr id="54" name="Image 53" descr="Une image contenant équipement électronique, circuit&#10;&#10;Description générée automatiquement">
               <a:extLst>
                 <a:ext uri="{FF2B5EF4-FFF2-40B4-BE49-F238E27FC236}">
-                  <a16:creationId xmlns:a16="http://schemas.microsoft.com/office/drawing/2014/main" id="{19B56B3F-E400-4C34-9216-AA44965055B3}"/>
+                  <a16:creationId xmlns:a16="http://schemas.microsoft.com/office/drawing/2014/main" id="{28F87132-B29B-483F-80ED-049606B0624E}"/>
                 </a:ext>
               </a:extLst>
             </p:cNvPr>
@@ -5184,7 +5880,7 @@
             <p:nvPr/>
           </p:nvPicPr>
           <p:blipFill>
-            <a:blip r:embed="rId7">
+            <a:blip r:embed="rId12">
               <a:extLst>
                 <a:ext uri="{28A0092B-C50C-407E-A947-70E740481C1C}">
                   <a14:useLocalDpi xmlns:a14="http://schemas.microsoft.com/office/drawing/2010/main" val="0"/>
@@ -5197,7 +5893,7 @@
           </p:blipFill>
           <p:spPr>
             <a:xfrm>
-              <a:off x="10748099" y="1944167"/>
+              <a:off x="8182319" y="1047681"/>
               <a:ext cx="1266667" cy="1009524"/>
             </a:xfrm>
             <a:prstGeom prst="rect">
@@ -5207,10 +5903,10 @@
         </p:pic>
         <p:pic>
           <p:nvPicPr>
-            <p:cNvPr id="39" name="Image 38" descr="Une image contenant équipement électronique, circuit&#10;&#10;Description générée automatiquement">
+            <p:cNvPr id="56" name="Image 55" descr="Une image contenant équipement électronique, circuit&#10;&#10;Description générée automatiquement">
               <a:extLst>
                 <a:ext uri="{FF2B5EF4-FFF2-40B4-BE49-F238E27FC236}">
-                  <a16:creationId xmlns:a16="http://schemas.microsoft.com/office/drawing/2014/main" id="{2635A8C9-8004-49E6-A4EF-B9D11BD11227}"/>
+                  <a16:creationId xmlns:a16="http://schemas.microsoft.com/office/drawing/2014/main" id="{65EBF761-66B7-451B-87A1-7427D459D7B7}"/>
                 </a:ext>
               </a:extLst>
             </p:cNvPr>
@@ -5220,7 +5916,7 @@
             <p:nvPr/>
           </p:nvPicPr>
           <p:blipFill>
-            <a:blip r:embed="rId8">
+            <a:blip r:embed="rId13">
               <a:extLst>
                 <a:ext uri="{28A0092B-C50C-407E-A947-70E740481C1C}">
                   <a14:useLocalDpi xmlns:a14="http://schemas.microsoft.com/office/drawing/2010/main" val="0"/>
@@ -5233,7 +5929,7 @@
           </p:blipFill>
           <p:spPr>
             <a:xfrm>
-              <a:off x="11152495" y="2845379"/>
+              <a:off x="9629354" y="949551"/>
               <a:ext cx="828973" cy="646598"/>
             </a:xfrm>
             <a:prstGeom prst="rect">
@@ -5242,277 +5938,12 @@
           </p:spPr>
         </p:pic>
       </p:grpSp>
-      <p:sp>
-        <p:nvSpPr>
-          <p:cNvPr id="15" name="Ellipse 14">
-            <a:extLst>
-              <a:ext uri="{FF2B5EF4-FFF2-40B4-BE49-F238E27FC236}">
-                <a16:creationId xmlns:a16="http://schemas.microsoft.com/office/drawing/2014/main" id="{B6338FBA-A54F-431E-BE16-CFDDDAFBDEAE}"/>
-              </a:ext>
-            </a:extLst>
-          </p:cNvPr>
-          <p:cNvSpPr/>
-          <p:nvPr/>
-        </p:nvSpPr>
-        <p:spPr>
-          <a:xfrm>
-            <a:off x="4165696" y="1111469"/>
-            <a:ext cx="1247759" cy="1147525"/>
-          </a:xfrm>
-          <a:prstGeom prst="ellipse">
-            <a:avLst/>
-          </a:prstGeom>
-        </p:spPr>
-        <p:style>
-          <a:lnRef idx="2">
-            <a:schemeClr val="accent1">
-              <a:shade val="50000"/>
-            </a:schemeClr>
-          </a:lnRef>
-          <a:fillRef idx="1">
-            <a:schemeClr val="accent1"/>
-          </a:fillRef>
-          <a:effectRef idx="0">
-            <a:schemeClr val="accent1"/>
-          </a:effectRef>
-          <a:fontRef idx="minor">
-            <a:schemeClr val="lt1"/>
-          </a:fontRef>
-        </p:style>
-        <p:txBody>
-          <a:bodyPr rtlCol="0" anchor="ctr"/>
-          <a:lstStyle/>
-          <a:p>
-            <a:pPr algn="ctr"/>
-            <a:r>
-              <a:rPr lang="fr-FR" dirty="0"/>
-              <a:t>MQTT</a:t>
-            </a:r>
-          </a:p>
-          <a:p>
-            <a:pPr algn="ctr"/>
-            <a:r>
-              <a:rPr lang="fr-FR" dirty="0"/>
-              <a:t>broker</a:t>
-            </a:r>
-          </a:p>
-        </p:txBody>
-      </p:sp>
-      <p:cxnSp>
-        <p:nvCxnSpPr>
-          <p:cNvPr id="55" name="Connecteur droit avec flèche 54">
-            <a:extLst>
-              <a:ext uri="{FF2B5EF4-FFF2-40B4-BE49-F238E27FC236}">
-                <a16:creationId xmlns:a16="http://schemas.microsoft.com/office/drawing/2014/main" id="{65FF336F-C6DE-44D3-BB16-6823D5AF0977}"/>
-              </a:ext>
-            </a:extLst>
-          </p:cNvPr>
-          <p:cNvCxnSpPr>
-            <a:cxnSpLocks/>
-          </p:cNvCxnSpPr>
-          <p:nvPr/>
-        </p:nvCxnSpPr>
-        <p:spPr>
-          <a:xfrm flipH="1" flipV="1">
-            <a:off x="2955177" y="1504398"/>
-            <a:ext cx="969310" cy="22187"/>
-          </a:xfrm>
-          <a:prstGeom prst="straightConnector1">
-            <a:avLst/>
-          </a:prstGeom>
-          <a:ln w="25400">
-            <a:tailEnd type="triangle" w="lg" len="lg"/>
-          </a:ln>
-        </p:spPr>
-        <p:style>
-          <a:lnRef idx="1">
-            <a:schemeClr val="accent1"/>
-          </a:lnRef>
-          <a:fillRef idx="0">
-            <a:schemeClr val="accent1"/>
-          </a:fillRef>
-          <a:effectRef idx="0">
-            <a:schemeClr val="accent1"/>
-          </a:effectRef>
-          <a:fontRef idx="minor">
-            <a:schemeClr val="tx1"/>
-          </a:fontRef>
-        </p:style>
-      </p:cxnSp>
-      <p:cxnSp>
-        <p:nvCxnSpPr>
-          <p:cNvPr id="57" name="Connecteur droit avec flèche 56">
-            <a:extLst>
-              <a:ext uri="{FF2B5EF4-FFF2-40B4-BE49-F238E27FC236}">
-                <a16:creationId xmlns:a16="http://schemas.microsoft.com/office/drawing/2014/main" id="{4FB962AC-5CC7-4961-8CA2-62F7F86E4770}"/>
-              </a:ext>
-            </a:extLst>
-          </p:cNvPr>
-          <p:cNvCxnSpPr>
-            <a:cxnSpLocks/>
-          </p:cNvCxnSpPr>
-          <p:nvPr/>
-        </p:nvCxnSpPr>
-        <p:spPr>
-          <a:xfrm flipH="1" flipV="1">
-            <a:off x="2963121" y="1776823"/>
-            <a:ext cx="961366" cy="13091"/>
-          </a:xfrm>
-          <a:prstGeom prst="straightConnector1">
-            <a:avLst/>
-          </a:prstGeom>
-          <a:ln w="25400">
-            <a:solidFill>
-              <a:schemeClr val="accent2"/>
-            </a:solidFill>
-            <a:headEnd type="triangle" w="lg" len="lg"/>
-            <a:tailEnd type="none" w="lg" len="lg"/>
-          </a:ln>
-        </p:spPr>
-        <p:style>
-          <a:lnRef idx="1">
-            <a:schemeClr val="accent1"/>
-          </a:lnRef>
-          <a:fillRef idx="0">
-            <a:schemeClr val="accent1"/>
-          </a:fillRef>
-          <a:effectRef idx="0">
-            <a:schemeClr val="accent1"/>
-          </a:effectRef>
-          <a:fontRef idx="minor">
-            <a:schemeClr val="tx1"/>
-          </a:fontRef>
-        </p:style>
-      </p:cxnSp>
-      <p:pic>
-        <p:nvPicPr>
-          <p:cNvPr id="28" name="Image 27" descr="Une image contenant table, assis, circuit, ordinateur&#10;&#10;Description générée automatiquement">
-            <a:extLst>
-              <a:ext uri="{FF2B5EF4-FFF2-40B4-BE49-F238E27FC236}">
-                <a16:creationId xmlns:a16="http://schemas.microsoft.com/office/drawing/2014/main" id="{7A95A874-841D-40C8-B2A8-51A1EC95CB0C}"/>
-              </a:ext>
-            </a:extLst>
-          </p:cNvPr>
-          <p:cNvPicPr>
-            <a:picLocks noChangeAspect="1"/>
-          </p:cNvPicPr>
-          <p:nvPr/>
-        </p:nvPicPr>
-        <p:blipFill>
-          <a:blip r:embed="rId9">
-            <a:extLst>
-              <a:ext uri="{28A0092B-C50C-407E-A947-70E740481C1C}">
-                <a14:useLocalDpi xmlns:a14="http://schemas.microsoft.com/office/drawing/2010/main" val="0"/>
-              </a:ext>
-            </a:extLst>
-          </a:blip>
-          <a:stretch>
-            <a:fillRect/>
-          </a:stretch>
-        </p:blipFill>
-        <p:spPr>
-          <a:xfrm>
-            <a:off x="87247" y="2068150"/>
-            <a:ext cx="1946066" cy="1474116"/>
-          </a:xfrm>
-          <a:prstGeom prst="rect">
-            <a:avLst/>
-          </a:prstGeom>
-        </p:spPr>
-      </p:pic>
-      <p:sp>
-        <p:nvSpPr>
-          <p:cNvPr id="29" name="ZoneTexte 28">
-            <a:extLst>
-              <a:ext uri="{FF2B5EF4-FFF2-40B4-BE49-F238E27FC236}">
-                <a16:creationId xmlns:a16="http://schemas.microsoft.com/office/drawing/2014/main" id="{3A576C46-6602-4231-8AFB-36C4C7637629}"/>
-              </a:ext>
-            </a:extLst>
-          </p:cNvPr>
-          <p:cNvSpPr txBox="1"/>
-          <p:nvPr/>
-        </p:nvSpPr>
-        <p:spPr>
-          <a:xfrm>
-            <a:off x="87247" y="3666890"/>
-            <a:ext cx="2116285" cy="600164"/>
-          </a:xfrm>
-          <a:prstGeom prst="rect">
-            <a:avLst/>
-          </a:prstGeom>
-          <a:noFill/>
-        </p:spPr>
-        <p:txBody>
-          <a:bodyPr wrap="none" rtlCol="0">
-            <a:spAutoFit/>
-          </a:bodyPr>
-          <a:lstStyle/>
-          <a:p>
-            <a:r>
-              <a:rPr lang="fr-FR" sz="1100" dirty="0"/>
-              <a:t>SRD </a:t>
-            </a:r>
-            <a:r>
-              <a:rPr lang="fr-FR" sz="1100" dirty="0" err="1"/>
-              <a:t>relays</a:t>
-            </a:r>
-            <a:r>
-              <a:rPr lang="fr-FR" sz="1100" dirty="0"/>
-              <a:t> (</a:t>
-            </a:r>
-            <a:r>
-              <a:rPr lang="fr-FR" sz="1100" dirty="0" err="1"/>
-              <a:t>smoke</a:t>
-            </a:r>
-            <a:r>
-              <a:rPr lang="fr-FR" sz="1100" dirty="0"/>
-              <a:t> machines)</a:t>
-            </a:r>
-          </a:p>
-          <a:p>
-            <a:r>
-              <a:rPr lang="fr-FR" sz="1100" dirty="0"/>
-              <a:t>SSR </a:t>
-            </a:r>
-            <a:r>
-              <a:rPr lang="fr-FR" sz="1100" dirty="0" err="1"/>
-              <a:t>relays</a:t>
-            </a:r>
-            <a:r>
-              <a:rPr lang="fr-FR" sz="1100" dirty="0"/>
-              <a:t> (power supplies, lights)</a:t>
-            </a:r>
-          </a:p>
-          <a:p>
-            <a:r>
-              <a:rPr lang="fr-FR" sz="1100" dirty="0"/>
-              <a:t>MOSFET </a:t>
-            </a:r>
-            <a:r>
-              <a:rPr lang="fr-FR" sz="1100" dirty="0" err="1"/>
-              <a:t>relays</a:t>
-            </a:r>
-            <a:r>
-              <a:rPr lang="fr-FR" sz="1100" dirty="0"/>
-              <a:t> (</a:t>
-            </a:r>
-            <a:r>
-              <a:rPr lang="fr-FR" sz="1100" dirty="0" err="1"/>
-              <a:t>maglocks</a:t>
-            </a:r>
-            <a:r>
-              <a:rPr lang="fr-FR" sz="1100" dirty="0"/>
-              <a:t>)</a:t>
-            </a:r>
-          </a:p>
-        </p:txBody>
-      </p:sp>
       <p:grpSp>
         <p:nvGrpSpPr>
-          <p:cNvPr id="30" name="Groupe 29">
-            <a:extLst>
-              <a:ext uri="{FF2B5EF4-FFF2-40B4-BE49-F238E27FC236}">
-                <a16:creationId xmlns:a16="http://schemas.microsoft.com/office/drawing/2014/main" id="{4F5A960A-E46D-4335-8BFD-09CD99F4EC17}"/>
+          <p:cNvPr id="58" name="Groupe 57">
+            <a:extLst>
+              <a:ext uri="{FF2B5EF4-FFF2-40B4-BE49-F238E27FC236}">
+                <a16:creationId xmlns:a16="http://schemas.microsoft.com/office/drawing/2014/main" id="{5D1A5E65-EA79-49B0-A6EC-881BA52D65A1}"/>
               </a:ext>
             </a:extLst>
           </p:cNvPr>
@@ -5521,57 +5952,18 @@
         </p:nvGrpSpPr>
         <p:grpSpPr>
           <a:xfrm>
-            <a:off x="1539199" y="3882635"/>
-            <a:ext cx="4317929" cy="2798805"/>
-            <a:chOff x="943143" y="3099401"/>
-            <a:chExt cx="4317929" cy="2798805"/>
+            <a:off x="8952754" y="3682626"/>
+            <a:ext cx="2828745" cy="1257557"/>
+            <a:chOff x="9366175" y="2298896"/>
+            <a:chExt cx="2828745" cy="1257557"/>
           </a:xfrm>
         </p:grpSpPr>
-        <p:pic>
-          <p:nvPicPr>
-            <p:cNvPr id="31" name="Image 30" descr="Une image contenant table, intérieur, équipement électronique, guichet&#10;&#10;Description générée automatiquement">
+        <p:sp>
+          <p:nvSpPr>
+            <p:cNvPr id="59" name="ZoneTexte 58">
               <a:extLst>
                 <a:ext uri="{FF2B5EF4-FFF2-40B4-BE49-F238E27FC236}">
-                  <a16:creationId xmlns:a16="http://schemas.microsoft.com/office/drawing/2014/main" id="{9063AD1B-CCCD-4CF3-9E92-81771A916CE1}"/>
-                </a:ext>
-              </a:extLst>
-            </p:cNvPr>
-            <p:cNvPicPr>
-              <a:picLocks noChangeAspect="1"/>
-            </p:cNvPicPr>
-            <p:nvPr/>
-          </p:nvPicPr>
-          <p:blipFill>
-            <a:blip r:embed="rId10">
-              <a:extLst>
-                <a:ext uri="{28A0092B-C50C-407E-A947-70E740481C1C}">
-                  <a14:useLocalDpi xmlns:a14="http://schemas.microsoft.com/office/drawing/2010/main" val="0"/>
-                </a:ext>
-                <a:ext uri="{837473B0-CC2E-450A-ABE3-18F120FF3D39}">
-                  <a1611:picAttrSrcUrl xmlns:a1611="http://schemas.microsoft.com/office/drawing/2016/11/main" r:id="rId11"/>
-                </a:ext>
-              </a:extLst>
-            </a:blip>
-            <a:stretch>
-              <a:fillRect/>
-            </a:stretch>
-          </p:blipFill>
-          <p:spPr>
-            <a:xfrm>
-              <a:off x="943143" y="3099401"/>
-              <a:ext cx="4317929" cy="2629445"/>
-            </a:xfrm>
-            <a:prstGeom prst="rect">
-              <a:avLst/>
-            </a:prstGeom>
-          </p:spPr>
-        </p:pic>
-        <p:sp>
-          <p:nvSpPr>
-            <p:cNvPr id="32" name="ZoneTexte 31">
-              <a:extLst>
-                <a:ext uri="{FF2B5EF4-FFF2-40B4-BE49-F238E27FC236}">
-                  <a16:creationId xmlns:a16="http://schemas.microsoft.com/office/drawing/2014/main" id="{95F4F86B-B58D-417F-B059-47052A68DE82}"/>
+                  <a16:creationId xmlns:a16="http://schemas.microsoft.com/office/drawing/2014/main" id="{0E76E4A6-AFD4-4F11-9DED-5A9DAFE5189E}"/>
                 </a:ext>
               </a:extLst>
             </p:cNvPr>
@@ -5580,8 +5972,8 @@
           </p:nvSpPr>
           <p:spPr>
             <a:xfrm>
-              <a:off x="2111859" y="5444596"/>
-              <a:ext cx="2699585" cy="369332"/>
+              <a:off x="9366175" y="2324287"/>
+              <a:ext cx="1415709" cy="707886"/>
             </a:xfrm>
             <a:prstGeom prst="rect">
               <a:avLst/>
@@ -5596,22 +5988,59 @@
             <a:p>
               <a:r>
                 <a:rPr lang="fr-FR" dirty="0"/>
-                <a:t>Game master </a:t>
+                <a:t>STM32 </a:t>
               </a:r>
               <a:r>
                 <a:rPr lang="fr-FR" dirty="0" err="1"/>
-                <a:t>workstation</a:t>
+                <a:t>props</a:t>
               </a:r>
               <a:endParaRPr lang="fr-FR" dirty="0"/>
+            </a:p>
+            <a:p>
+              <a:r>
+                <a:rPr lang="fr-FR" sz="1100" dirty="0" err="1">
+                  <a:solidFill>
+                    <a:schemeClr val="accent1"/>
+                  </a:solidFill>
+                </a:rPr>
+                <a:t>AdruinoProps</a:t>
+              </a:r>
+              <a:r>
+                <a:rPr lang="fr-FR" sz="1100" dirty="0">
+                  <a:solidFill>
+                    <a:schemeClr val="accent1"/>
+                  </a:solidFill>
+                </a:rPr>
+                <a:t> </a:t>
+              </a:r>
+              <a:r>
+                <a:rPr lang="fr-FR" sz="1100" dirty="0" err="1">
+                  <a:solidFill>
+                    <a:schemeClr val="accent1"/>
+                  </a:solidFill>
+                </a:rPr>
+                <a:t>library</a:t>
+              </a:r>
+              <a:endParaRPr lang="fr-FR" sz="1100" dirty="0">
+                <a:solidFill>
+                  <a:schemeClr val="accent1"/>
+                </a:solidFill>
+              </a:endParaRPr>
+            </a:p>
+            <a:p>
+              <a:r>
+                <a:rPr lang="fr-FR" sz="1100" dirty="0"/>
+                <a:t>STM32 Nucleo-144</a:t>
+              </a:r>
             </a:p>
           </p:txBody>
         </p:sp>
         <p:pic>
           <p:nvPicPr>
-            <p:cNvPr id="44" name="Image 43">
+            <p:cNvPr id="60" name="Image 59" descr="Une image contenant équipement électronique, circuit&#10;&#10;Description générée automatiquement">
               <a:extLst>
                 <a:ext uri="{FF2B5EF4-FFF2-40B4-BE49-F238E27FC236}">
-                  <a16:creationId xmlns:a16="http://schemas.microsoft.com/office/drawing/2014/main" id="{74ECEBF4-3953-41D1-8184-E2930FC2D9BD}"/>
+                  <a16:creationId xmlns:a16="http://schemas.microsoft.com/office/drawing/2014/main" id="{FDC53CC7-B801-4CC5-94C7-CD02D3A54ECA}"/>
                 </a:ext>
               </a:extLst>
             </p:cNvPr>
@@ -5621,13 +6050,10 @@
             <p:nvPr/>
           </p:nvPicPr>
           <p:blipFill>
-            <a:blip r:embed="rId12">
+            <a:blip r:embed="rId14">
               <a:extLst>
                 <a:ext uri="{28A0092B-C50C-407E-A947-70E740481C1C}">
                   <a14:useLocalDpi xmlns:a14="http://schemas.microsoft.com/office/drawing/2010/main" val="0"/>
-                </a:ext>
-                <a:ext uri="{837473B0-CC2E-450A-ABE3-18F120FF3D39}">
-                  <a1611:picAttrSrcUrl xmlns:a1611="http://schemas.microsoft.com/office/drawing/2016/11/main" r:id="rId13"/>
                 </a:ext>
               </a:extLst>
             </a:blip>
@@ -5637,8 +6063,8 @@
           </p:blipFill>
           <p:spPr>
             <a:xfrm>
-              <a:off x="1321058" y="5360319"/>
-              <a:ext cx="537887" cy="537887"/>
+              <a:off x="10484643" y="2298896"/>
+              <a:ext cx="1710277" cy="1257557"/>
             </a:xfrm>
             <a:prstGeom prst="rect">
               <a:avLst/>
@@ -5646,298 +6072,6 @@
           </p:spPr>
         </p:pic>
       </p:grpSp>
-      <p:cxnSp>
-        <p:nvCxnSpPr>
-          <p:cNvPr id="45" name="Connecteur droit avec flèche 44">
-            <a:extLst>
-              <a:ext uri="{FF2B5EF4-FFF2-40B4-BE49-F238E27FC236}">
-                <a16:creationId xmlns:a16="http://schemas.microsoft.com/office/drawing/2014/main" id="{1E849C7D-B8C1-402F-809D-78956D9F528C}"/>
-              </a:ext>
-            </a:extLst>
-          </p:cNvPr>
-          <p:cNvCxnSpPr>
-            <a:cxnSpLocks/>
-          </p:cNvCxnSpPr>
-          <p:nvPr/>
-        </p:nvCxnSpPr>
-        <p:spPr>
-          <a:xfrm flipH="1">
-            <a:off x="4057708" y="2337892"/>
-            <a:ext cx="436546" cy="1003397"/>
-          </a:xfrm>
-          <a:prstGeom prst="straightConnector1">
-            <a:avLst/>
-          </a:prstGeom>
-          <a:ln w="25400">
-            <a:headEnd type="triangle" w="lg" len="lg"/>
-            <a:tailEnd type="none" w="lg" len="lg"/>
-          </a:ln>
-        </p:spPr>
-        <p:style>
-          <a:lnRef idx="1">
-            <a:schemeClr val="accent1"/>
-          </a:lnRef>
-          <a:fillRef idx="0">
-            <a:schemeClr val="accent1"/>
-          </a:fillRef>
-          <a:effectRef idx="0">
-            <a:schemeClr val="accent1"/>
-          </a:effectRef>
-          <a:fontRef idx="minor">
-            <a:schemeClr val="tx1"/>
-          </a:fontRef>
-        </p:style>
-      </p:cxnSp>
-      <p:cxnSp>
-        <p:nvCxnSpPr>
-          <p:cNvPr id="46" name="Connecteur droit avec flèche 45">
-            <a:extLst>
-              <a:ext uri="{FF2B5EF4-FFF2-40B4-BE49-F238E27FC236}">
-                <a16:creationId xmlns:a16="http://schemas.microsoft.com/office/drawing/2014/main" id="{5A42F697-BC5D-4396-8D62-B43A54EC9341}"/>
-              </a:ext>
-            </a:extLst>
-          </p:cNvPr>
-          <p:cNvCxnSpPr>
-            <a:cxnSpLocks/>
-          </p:cNvCxnSpPr>
-          <p:nvPr/>
-        </p:nvCxnSpPr>
-        <p:spPr>
-          <a:xfrm flipH="1">
-            <a:off x="4431066" y="2474739"/>
-            <a:ext cx="324827" cy="866550"/>
-          </a:xfrm>
-          <a:prstGeom prst="straightConnector1">
-            <a:avLst/>
-          </a:prstGeom>
-          <a:ln w="25400">
-            <a:solidFill>
-              <a:schemeClr val="accent2"/>
-            </a:solidFill>
-            <a:tailEnd type="triangle" w="lg" len="lg"/>
-          </a:ln>
-        </p:spPr>
-        <p:style>
-          <a:lnRef idx="1">
-            <a:schemeClr val="accent1"/>
-          </a:lnRef>
-          <a:fillRef idx="0">
-            <a:schemeClr val="accent1"/>
-          </a:fillRef>
-          <a:effectRef idx="0">
-            <a:schemeClr val="accent1"/>
-          </a:effectRef>
-          <a:fontRef idx="minor">
-            <a:schemeClr val="tx1"/>
-          </a:fontRef>
-        </p:style>
-      </p:cxnSp>
-      <p:sp>
-        <p:nvSpPr>
-          <p:cNvPr id="48" name="ZoneTexte 47">
-            <a:extLst>
-              <a:ext uri="{FF2B5EF4-FFF2-40B4-BE49-F238E27FC236}">
-                <a16:creationId xmlns:a16="http://schemas.microsoft.com/office/drawing/2014/main" id="{00ACC9DB-D384-46AE-AD69-22AC64A7CEBB}"/>
-              </a:ext>
-            </a:extLst>
-          </p:cNvPr>
-          <p:cNvSpPr txBox="1"/>
-          <p:nvPr/>
-        </p:nvSpPr>
-        <p:spPr>
-          <a:xfrm>
-            <a:off x="2936607" y="3420187"/>
-            <a:ext cx="1938830" cy="707886"/>
-          </a:xfrm>
-          <a:prstGeom prst="rect">
-            <a:avLst/>
-          </a:prstGeom>
-          <a:noFill/>
-        </p:spPr>
-        <p:txBody>
-          <a:bodyPr wrap="square" rtlCol="0">
-            <a:spAutoFit/>
-          </a:bodyPr>
-          <a:lstStyle/>
-          <a:p>
-            <a:r>
-              <a:rPr lang="fr-FR" dirty="0">
-                <a:solidFill>
-                  <a:schemeClr val="accent1"/>
-                </a:solidFill>
-              </a:rPr>
-              <a:t>Prop </a:t>
-            </a:r>
-            <a:r>
-              <a:rPr lang="fr-FR" dirty="0" err="1">
-                <a:solidFill>
-                  <a:schemeClr val="accent1"/>
-                </a:solidFill>
-              </a:rPr>
-              <a:t>inbox</a:t>
-            </a:r>
-            <a:endParaRPr lang="fr-FR" dirty="0">
-              <a:solidFill>
-                <a:schemeClr val="accent1"/>
-              </a:solidFill>
-            </a:endParaRPr>
-          </a:p>
-          <a:p>
-            <a:r>
-              <a:rPr lang="fr-FR" sz="1100" dirty="0" err="1">
-                <a:solidFill>
-                  <a:schemeClr val="accent1"/>
-                </a:solidFill>
-                <a:latin typeface="Courier New" panose="02070309020205020404" pitchFamily="49" charset="0"/>
-                <a:cs typeface="Courier New" panose="02070309020205020404" pitchFamily="49" charset="0"/>
-              </a:rPr>
-              <a:t>door:open</a:t>
-            </a:r>
-            <a:endParaRPr lang="fr-FR" sz="1100" dirty="0">
-              <a:solidFill>
-                <a:schemeClr val="accent1"/>
-              </a:solidFill>
-              <a:latin typeface="Courier New" panose="02070309020205020404" pitchFamily="49" charset="0"/>
-              <a:cs typeface="Courier New" panose="02070309020205020404" pitchFamily="49" charset="0"/>
-            </a:endParaRPr>
-          </a:p>
-          <a:p>
-            <a:r>
-              <a:rPr lang="fr-FR" sz="1100" dirty="0" err="1">
-                <a:solidFill>
-                  <a:schemeClr val="accent1"/>
-                </a:solidFill>
-                <a:latin typeface="Courier New" panose="02070309020205020404" pitchFamily="49" charset="0"/>
-                <a:cs typeface="Courier New" panose="02070309020205020404" pitchFamily="49" charset="0"/>
-              </a:rPr>
-              <a:t>door:close</a:t>
-            </a:r>
-            <a:endParaRPr lang="fr-FR" sz="1100" dirty="0">
-              <a:solidFill>
-                <a:schemeClr val="accent1"/>
-              </a:solidFill>
-              <a:latin typeface="Courier New" panose="02070309020205020404" pitchFamily="49" charset="0"/>
-              <a:cs typeface="Courier New" panose="02070309020205020404" pitchFamily="49" charset="0"/>
-            </a:endParaRPr>
-          </a:p>
-        </p:txBody>
-      </p:sp>
-      <p:sp>
-        <p:nvSpPr>
-          <p:cNvPr id="49" name="ZoneTexte 48">
-            <a:extLst>
-              <a:ext uri="{FF2B5EF4-FFF2-40B4-BE49-F238E27FC236}">
-                <a16:creationId xmlns:a16="http://schemas.microsoft.com/office/drawing/2014/main" id="{2E1CAA6A-8634-44B6-95CB-28142AA23399}"/>
-              </a:ext>
-            </a:extLst>
-          </p:cNvPr>
-          <p:cNvSpPr txBox="1"/>
-          <p:nvPr/>
-        </p:nvSpPr>
-        <p:spPr>
-          <a:xfrm>
-            <a:off x="4138005" y="3423518"/>
-            <a:ext cx="2699577" cy="707886"/>
-          </a:xfrm>
-          <a:prstGeom prst="rect">
-            <a:avLst/>
-          </a:prstGeom>
-          <a:noFill/>
-        </p:spPr>
-        <p:txBody>
-          <a:bodyPr wrap="square" rtlCol="0">
-            <a:spAutoFit/>
-          </a:bodyPr>
-          <a:lstStyle/>
-          <a:p>
-            <a:r>
-              <a:rPr lang="fr-FR" dirty="0">
-                <a:solidFill>
-                  <a:schemeClr val="accent2"/>
-                </a:solidFill>
-              </a:rPr>
-              <a:t>Prop </a:t>
-            </a:r>
-            <a:r>
-              <a:rPr lang="fr-FR" dirty="0" err="1">
-                <a:solidFill>
-                  <a:schemeClr val="accent2"/>
-                </a:solidFill>
-              </a:rPr>
-              <a:t>outbox</a:t>
-            </a:r>
-            <a:endParaRPr lang="fr-FR" dirty="0">
-              <a:solidFill>
-                <a:schemeClr val="accent2"/>
-              </a:solidFill>
-            </a:endParaRPr>
-          </a:p>
-          <a:p>
-            <a:r>
-              <a:rPr lang="fr-FR" sz="1100" dirty="0">
-                <a:solidFill>
-                  <a:schemeClr val="accent2"/>
-                </a:solidFill>
-                <a:latin typeface="Courier New" panose="02070309020205020404" pitchFamily="49" charset="0"/>
-                <a:cs typeface="Courier New" panose="02070309020205020404" pitchFamily="49" charset="0"/>
-              </a:rPr>
-              <a:t>DATA </a:t>
-            </a:r>
-            <a:r>
-              <a:rPr lang="fr-FR" sz="1100" dirty="0" err="1">
-                <a:solidFill>
-                  <a:schemeClr val="accent2"/>
-                </a:solidFill>
-                <a:latin typeface="Courier New" panose="02070309020205020404" pitchFamily="49" charset="0"/>
-                <a:cs typeface="Courier New" panose="02070309020205020404" pitchFamily="49" charset="0"/>
-              </a:rPr>
-              <a:t>maglock</a:t>
-            </a:r>
-            <a:r>
-              <a:rPr lang="fr-FR" sz="1100" dirty="0">
-                <a:solidFill>
-                  <a:schemeClr val="accent2"/>
-                </a:solidFill>
-                <a:latin typeface="Courier New" panose="02070309020205020404" pitchFamily="49" charset="0"/>
-                <a:cs typeface="Courier New" panose="02070309020205020404" pitchFamily="49" charset="0"/>
-              </a:rPr>
-              <a:t>=on challenge=0</a:t>
-            </a:r>
-          </a:p>
-          <a:p>
-            <a:r>
-              <a:rPr lang="fr-FR" sz="1100" dirty="0">
-                <a:solidFill>
-                  <a:schemeClr val="accent2"/>
-                </a:solidFill>
-                <a:latin typeface="Courier New" panose="02070309020205020404" pitchFamily="49" charset="0"/>
-                <a:cs typeface="Courier New" panose="02070309020205020404" pitchFamily="49" charset="0"/>
-              </a:rPr>
-              <a:t>DATA </a:t>
-            </a:r>
-            <a:r>
-              <a:rPr lang="fr-FR" sz="1100" dirty="0" err="1">
-                <a:solidFill>
-                  <a:schemeClr val="accent2"/>
-                </a:solidFill>
-                <a:latin typeface="Courier New" panose="02070309020205020404" pitchFamily="49" charset="0"/>
-                <a:cs typeface="Courier New" panose="02070309020205020404" pitchFamily="49" charset="0"/>
-              </a:rPr>
-              <a:t>maglock</a:t>
-            </a:r>
-            <a:r>
-              <a:rPr lang="fr-FR" sz="1100" dirty="0">
-                <a:solidFill>
-                  <a:schemeClr val="accent2"/>
-                </a:solidFill>
-                <a:latin typeface="Courier New" panose="02070309020205020404" pitchFamily="49" charset="0"/>
-                <a:cs typeface="Courier New" panose="02070309020205020404" pitchFamily="49" charset="0"/>
-              </a:rPr>
-              <a:t>=off challenge:1</a:t>
-            </a:r>
-          </a:p>
-        </p:txBody>
-      </p:sp>
     </p:spTree>
     <p:extLst>
       <p:ext uri="{BB962C8B-B14F-4D97-AF65-F5344CB8AC3E}">
